--- a/week13/Lecture13.pptx
+++ b/week13/Lecture13.pptx
@@ -11657,8 +11657,8 @@
         </p:nvSpPr>
         <p:spPr>
           <a:xfrm>
-            <a:off x="1219200" y="1992090"/>
-            <a:ext cx="8430985" cy="4801314"/>
+            <a:off x="1219199" y="1935238"/>
+            <a:ext cx="8430985" cy="5078313"/>
           </a:xfrm>
           <a:prstGeom prst="rect">
             <a:avLst/>
@@ -11669,6 +11669,62 @@
             <a:spAutoFit/>
           </a:bodyPr>
           <a:lstStyle/>
+          <a:p>
+            <a:r>
+              <a:rPr lang="en" altLang="zh-CN" dirty="0">
+                <a:solidFill>
+                  <a:srgbClr val="0000FF"/>
+                </a:solidFill>
+                <a:latin typeface="Menlo" panose="020B0609030804020204" pitchFamily="49" charset="0"/>
+              </a:rPr>
+              <a:t>template</a:t>
+            </a:r>
+            <a:r>
+              <a:rPr lang="en" altLang="zh-CN" dirty="0">
+                <a:solidFill>
+                  <a:srgbClr val="000000"/>
+                </a:solidFill>
+                <a:latin typeface="Menlo" panose="020B0609030804020204" pitchFamily="49" charset="0"/>
+              </a:rPr>
+              <a:t>&lt;</a:t>
+            </a:r>
+            <a:r>
+              <a:rPr lang="en" altLang="zh-CN" dirty="0" err="1">
+                <a:solidFill>
+                  <a:srgbClr val="0000FF"/>
+                </a:solidFill>
+                <a:latin typeface="Menlo" panose="020B0609030804020204" pitchFamily="49" charset="0"/>
+              </a:rPr>
+              <a:t>typename</a:t>
+            </a:r>
+            <a:r>
+              <a:rPr lang="en" altLang="zh-CN" dirty="0">
+                <a:solidFill>
+                  <a:srgbClr val="000000"/>
+                </a:solidFill>
+                <a:latin typeface="Menlo" panose="020B0609030804020204" pitchFamily="49" charset="0"/>
+              </a:rPr>
+              <a:t> </a:t>
+            </a:r>
+            <a:r>
+              <a:rPr lang="en" altLang="zh-CN" dirty="0">
+                <a:solidFill>
+                  <a:srgbClr val="267F99"/>
+                </a:solidFill>
+                <a:latin typeface="Menlo" panose="020B0609030804020204" pitchFamily="49" charset="0"/>
+              </a:rPr>
+              <a:t>T</a:t>
+            </a:r>
+            <a:r>
+              <a:rPr lang="en" altLang="zh-CN" dirty="0">
+                <a:solidFill>
+                  <a:srgbClr val="000000"/>
+                </a:solidFill>
+                <a:latin typeface="Menlo" panose="020B0609030804020204" pitchFamily="49" charset="0"/>
+              </a:rPr>
+              <a:t>&gt;</a:t>
+            </a:r>
+          </a:p>
           <a:p>
             <a:r>
               <a:rPr lang="en" altLang="zh-CN" dirty="0">
@@ -13594,8 +13650,8 @@
         </p:nvSpPr>
         <p:spPr>
           <a:xfrm>
-            <a:off x="674913" y="2067574"/>
-            <a:ext cx="8665592" cy="3139321"/>
+            <a:off x="664639" y="2136338"/>
+            <a:ext cx="8665592" cy="2585323"/>
           </a:xfrm>
           <a:prstGeom prst="rect">
             <a:avLst/>
@@ -13853,199 +13909,6 @@
                 <a:latin typeface="Menlo" panose="020B0609030804020204" pitchFamily="49" charset="0"/>
               </a:rPr>
               <a:t>(){}</a:t>
-            </a:r>
-          </a:p>
-          <a:p>
-            <a:r>
-              <a:rPr lang="en" altLang="zh-CN" dirty="0">
-                <a:solidFill>
-                  <a:srgbClr val="795E26"/>
-                </a:solidFill>
-                <a:latin typeface="Menlo" panose="020B0609030804020204" pitchFamily="49" charset="0"/>
-              </a:rPr>
-              <a:t>    Mat</a:t>
-            </a:r>
-            <a:r>
-              <a:rPr lang="en" altLang="zh-CN" dirty="0">
-                <a:solidFill>
-                  <a:srgbClr val="000000"/>
-                </a:solidFill>
-                <a:latin typeface="Menlo" panose="020B0609030804020204" pitchFamily="49" charset="0"/>
-              </a:rPr>
-              <a:t>(</a:t>
-            </a:r>
-            <a:r>
-              <a:rPr lang="en" altLang="zh-CN" dirty="0">
-                <a:solidFill>
-                  <a:srgbClr val="0000FF"/>
-                </a:solidFill>
-                <a:latin typeface="Menlo" panose="020B0609030804020204" pitchFamily="49" charset="0"/>
-              </a:rPr>
-              <a:t>const</a:t>
-            </a:r>
-            <a:r>
-              <a:rPr lang="en" altLang="zh-CN" dirty="0">
-                <a:solidFill>
-                  <a:srgbClr val="000000"/>
-                </a:solidFill>
-                <a:latin typeface="Menlo" panose="020B0609030804020204" pitchFamily="49" charset="0"/>
-              </a:rPr>
-              <a:t> </a:t>
-            </a:r>
-            <a:r>
-              <a:rPr lang="en" altLang="zh-CN" dirty="0">
-                <a:solidFill>
-                  <a:srgbClr val="267F99"/>
-                </a:solidFill>
-                <a:latin typeface="Menlo" panose="020B0609030804020204" pitchFamily="49" charset="0"/>
-              </a:rPr>
-              <a:t>Mat</a:t>
-            </a:r>
-            <a:r>
-              <a:rPr lang="en" altLang="zh-CN" dirty="0">
-                <a:solidFill>
-                  <a:srgbClr val="0000FF"/>
-                </a:solidFill>
-                <a:latin typeface="Menlo" panose="020B0609030804020204" pitchFamily="49" charset="0"/>
-              </a:rPr>
-              <a:t>&amp;</a:t>
-            </a:r>
-            <a:r>
-              <a:rPr lang="en" altLang="zh-CN" dirty="0">
-                <a:solidFill>
-                  <a:srgbClr val="000000"/>
-                </a:solidFill>
-                <a:latin typeface="Menlo" panose="020B0609030804020204" pitchFamily="49" charset="0"/>
-              </a:rPr>
-              <a:t>) = </a:t>
-            </a:r>
-            <a:r>
-              <a:rPr lang="en" altLang="zh-CN" dirty="0">
-                <a:solidFill>
-                  <a:srgbClr val="0000FF"/>
-                </a:solidFill>
-                <a:latin typeface="Menlo" panose="020B0609030804020204" pitchFamily="49" charset="0"/>
-              </a:rPr>
-              <a:t>delete</a:t>
-            </a:r>
-            <a:r>
-              <a:rPr lang="en" altLang="zh-CN" dirty="0">
-                <a:solidFill>
-                  <a:srgbClr val="000000"/>
-                </a:solidFill>
-                <a:latin typeface="Menlo" panose="020B0609030804020204" pitchFamily="49" charset="0"/>
-              </a:rPr>
-              <a:t>;</a:t>
-            </a:r>
-          </a:p>
-          <a:p>
-            <a:r>
-              <a:rPr lang="en" altLang="zh-CN" dirty="0">
-                <a:solidFill>
-                  <a:srgbClr val="267F99"/>
-                </a:solidFill>
-                <a:latin typeface="Menlo" panose="020B0609030804020204" pitchFamily="49" charset="0"/>
-              </a:rPr>
-              <a:t>    Mat</a:t>
-            </a:r>
-            <a:r>
-              <a:rPr lang="en" altLang="zh-CN" dirty="0">
-                <a:solidFill>
-                  <a:srgbClr val="0000FF"/>
-                </a:solidFill>
-                <a:latin typeface="Menlo" panose="020B0609030804020204" pitchFamily="49" charset="0"/>
-              </a:rPr>
-              <a:t>&amp;</a:t>
-            </a:r>
-            <a:r>
-              <a:rPr lang="en" altLang="zh-CN" dirty="0">
-                <a:solidFill>
-                  <a:srgbClr val="000000"/>
-                </a:solidFill>
-                <a:latin typeface="Menlo" panose="020B0609030804020204" pitchFamily="49" charset="0"/>
-              </a:rPr>
-              <a:t> </a:t>
-            </a:r>
-            <a:r>
-              <a:rPr lang="en" altLang="zh-CN" dirty="0">
-                <a:solidFill>
-                  <a:srgbClr val="795E26"/>
-                </a:solidFill>
-                <a:latin typeface="Menlo" panose="020B0609030804020204" pitchFamily="49" charset="0"/>
-              </a:rPr>
-              <a:t>operator=</a:t>
-            </a:r>
-            <a:r>
-              <a:rPr lang="en" altLang="zh-CN" dirty="0">
-                <a:solidFill>
-                  <a:srgbClr val="000000"/>
-                </a:solidFill>
-                <a:latin typeface="Menlo" panose="020B0609030804020204" pitchFamily="49" charset="0"/>
-              </a:rPr>
-              <a:t>(</a:t>
-            </a:r>
-            <a:r>
-              <a:rPr lang="en" altLang="zh-CN" dirty="0">
-                <a:solidFill>
-                  <a:srgbClr val="0000FF"/>
-                </a:solidFill>
-                <a:latin typeface="Menlo" panose="020B0609030804020204" pitchFamily="49" charset="0"/>
-              </a:rPr>
-              <a:t>const</a:t>
-            </a:r>
-            <a:r>
-              <a:rPr lang="en" altLang="zh-CN" dirty="0">
-                <a:solidFill>
-                  <a:srgbClr val="000000"/>
-                </a:solidFill>
-                <a:latin typeface="Menlo" panose="020B0609030804020204" pitchFamily="49" charset="0"/>
-              </a:rPr>
-              <a:t> </a:t>
-            </a:r>
-            <a:r>
-              <a:rPr lang="en" altLang="zh-CN" dirty="0">
-                <a:solidFill>
-                  <a:srgbClr val="267F99"/>
-                </a:solidFill>
-                <a:latin typeface="Menlo" panose="020B0609030804020204" pitchFamily="49" charset="0"/>
-              </a:rPr>
-              <a:t>Mat</a:t>
-            </a:r>
-            <a:r>
-              <a:rPr lang="en" altLang="zh-CN" dirty="0">
-                <a:solidFill>
-                  <a:srgbClr val="0000FF"/>
-                </a:solidFill>
-                <a:latin typeface="Menlo" panose="020B0609030804020204" pitchFamily="49" charset="0"/>
-              </a:rPr>
-              <a:t>&amp;</a:t>
-            </a:r>
-            <a:r>
-              <a:rPr lang="en" altLang="zh-CN" dirty="0">
-                <a:solidFill>
-                  <a:srgbClr val="000000"/>
-                </a:solidFill>
-                <a:latin typeface="Menlo" panose="020B0609030804020204" pitchFamily="49" charset="0"/>
-              </a:rPr>
-              <a:t>) = </a:t>
-            </a:r>
-            <a:r>
-              <a:rPr lang="en" altLang="zh-CN" dirty="0">
-                <a:solidFill>
-                  <a:srgbClr val="AF00DB"/>
-                </a:solidFill>
-                <a:latin typeface="Menlo" panose="020B0609030804020204" pitchFamily="49" charset="0"/>
-              </a:rPr>
-              <a:t>delete</a:t>
-            </a:r>
-            <a:r>
-              <a:rPr lang="en" altLang="zh-CN" dirty="0">
-                <a:solidFill>
-                  <a:srgbClr val="000000"/>
-                </a:solidFill>
-                <a:latin typeface="Menlo" panose="020B0609030804020204" pitchFamily="49" charset="0"/>
-              </a:rPr>
-              <a:t>;</a:t>
             </a:r>
           </a:p>
           <a:p>

--- a/week13/Lecture13.pptx
+++ b/week13/Lecture13.pptx
@@ -214,7 +214,7 @@
           <a:p>
             <a:fld id="{634F3F22-B4BB-3F48-9180-464A9F2D66D1}" type="datetimeFigureOut">
               <a:rPr kumimoji="1" lang="zh-CN" altLang="en-US" smtClean="0"/>
-              <a:t>2021/12/6</a:t>
+              <a:t>2021/12/14</a:t>
             </a:fld>
             <a:endParaRPr kumimoji="1" lang="zh-CN" altLang="en-US"/>
           </a:p>
@@ -694,7 +694,7 @@
           <a:p>
             <a:fld id="{FC19A4FA-3D9A-4114-B0D5-759CBD56F1AB}" type="datetimeFigureOut">
               <a:rPr lang="zh-CN" altLang="en-US" smtClean="0"/>
-              <a:t>2021/12/6</a:t>
+              <a:t>2021/12/14</a:t>
             </a:fld>
             <a:endParaRPr lang="zh-CN" altLang="en-US"/>
           </a:p>
@@ -897,7 +897,7 @@
           <a:p>
             <a:fld id="{FC19A4FA-3D9A-4114-B0D5-759CBD56F1AB}" type="datetimeFigureOut">
               <a:rPr lang="zh-CN" altLang="en-US" smtClean="0"/>
-              <a:t>2021/12/6</a:t>
+              <a:t>2021/12/14</a:t>
             </a:fld>
             <a:endParaRPr lang="zh-CN" altLang="en-US"/>
           </a:p>
@@ -1075,7 +1075,7 @@
           <a:p>
             <a:fld id="{FC19A4FA-3D9A-4114-B0D5-759CBD56F1AB}" type="datetimeFigureOut">
               <a:rPr lang="zh-CN" altLang="en-US" smtClean="0"/>
-              <a:t>2021/12/6</a:t>
+              <a:t>2021/12/14</a:t>
             </a:fld>
             <a:endParaRPr lang="zh-CN" altLang="en-US"/>
           </a:p>
@@ -1299,7 +1299,7 @@
           <a:p>
             <a:fld id="{FC19A4FA-3D9A-4114-B0D5-759CBD56F1AB}" type="datetimeFigureOut">
               <a:rPr lang="zh-CN" altLang="en-US" smtClean="0"/>
-              <a:t>2021/12/6</a:t>
+              <a:t>2021/12/14</a:t>
             </a:fld>
             <a:endParaRPr lang="zh-CN" altLang="en-US"/>
           </a:p>
@@ -1533,7 +1533,7 @@
           <a:p>
             <a:fld id="{FC19A4FA-3D9A-4114-B0D5-759CBD56F1AB}" type="datetimeFigureOut">
               <a:rPr lang="zh-CN" altLang="en-US" smtClean="0"/>
-              <a:t>2021/12/6</a:t>
+              <a:t>2021/12/14</a:t>
             </a:fld>
             <a:endParaRPr lang="zh-CN" altLang="en-US"/>
           </a:p>
@@ -1932,7 +1932,7 @@
           <a:p>
             <a:fld id="{FC19A4FA-3D9A-4114-B0D5-759CBD56F1AB}" type="datetimeFigureOut">
               <a:rPr lang="zh-CN" altLang="en-US" smtClean="0"/>
-              <a:t>2021/12/6</a:t>
+              <a:t>2021/12/14</a:t>
             </a:fld>
             <a:endParaRPr lang="zh-CN" altLang="en-US"/>
           </a:p>
@@ -2212,7 +2212,7 @@
           <a:p>
             <a:fld id="{FC19A4FA-3D9A-4114-B0D5-759CBD56F1AB}" type="datetimeFigureOut">
               <a:rPr lang="zh-CN" altLang="en-US" smtClean="0"/>
-              <a:t>2021/12/6</a:t>
+              <a:t>2021/12/14</a:t>
             </a:fld>
             <a:endParaRPr lang="zh-CN" altLang="en-US"/>
           </a:p>
@@ -2364,7 +2364,7 @@
           <a:p>
             <a:fld id="{FC19A4FA-3D9A-4114-B0D5-759CBD56F1AB}" type="datetimeFigureOut">
               <a:rPr lang="zh-CN" altLang="en-US" smtClean="0"/>
-              <a:t>2021/12/6</a:t>
+              <a:t>2021/12/14</a:t>
             </a:fld>
             <a:endParaRPr lang="zh-CN" altLang="en-US"/>
           </a:p>
@@ -2494,7 +2494,7 @@
           <a:p>
             <a:fld id="{FC19A4FA-3D9A-4114-B0D5-759CBD56F1AB}" type="datetimeFigureOut">
               <a:rPr lang="zh-CN" altLang="en-US" smtClean="0"/>
-              <a:t>2021/12/6</a:t>
+              <a:t>2021/12/14</a:t>
             </a:fld>
             <a:endParaRPr lang="zh-CN" altLang="en-US"/>
           </a:p>
@@ -2804,7 +2804,7 @@
           <a:p>
             <a:fld id="{FC19A4FA-3D9A-4114-B0D5-759CBD56F1AB}" type="datetimeFigureOut">
               <a:rPr lang="zh-CN" altLang="en-US" smtClean="0"/>
-              <a:t>2021/12/6</a:t>
+              <a:t>2021/12/14</a:t>
             </a:fld>
             <a:endParaRPr lang="zh-CN" altLang="en-US"/>
           </a:p>
@@ -3091,7 +3091,7 @@
           <a:p>
             <a:fld id="{FC19A4FA-3D9A-4114-B0D5-759CBD56F1AB}" type="datetimeFigureOut">
               <a:rPr lang="zh-CN" altLang="en-US" smtClean="0"/>
-              <a:t>2021/12/6</a:t>
+              <a:t>2021/12/14</a:t>
             </a:fld>
             <a:endParaRPr lang="zh-CN" altLang="en-US"/>
           </a:p>
@@ -3384,7 +3384,7 @@
           <a:p>
             <a:fld id="{FC19A4FA-3D9A-4114-B0D5-759CBD56F1AB}" type="datetimeFigureOut">
               <a:rPr lang="zh-CN" altLang="en-US" smtClean="0"/>
-              <a:t>2021/12/6</a:t>
+              <a:t>2021/12/14</a:t>
             </a:fld>
             <a:endParaRPr lang="zh-CN" altLang="en-US"/>
           </a:p>
@@ -13331,8 +13331,8 @@
         </p:nvSpPr>
         <p:spPr>
           <a:xfrm>
-            <a:off x="7336971" y="1097852"/>
-            <a:ext cx="4016830" cy="830997"/>
+            <a:off x="7336970" y="1097852"/>
+            <a:ext cx="4555107" cy="830997"/>
           </a:xfrm>
           <a:prstGeom prst="rect">
             <a:avLst/>
@@ -14472,7 +14472,7 @@
                                           </p:stCondLst>
                                         </p:cTn>
                                         <p:tgtEl>
-                                          <p:spTgt spid="5"/>
+                                          <p:spTgt spid="6"/>
                                         </p:tgtEl>
                                         <p:attrNameLst>
                                           <p:attrName>style.visibility</p:attrName>
@@ -14504,7 +14504,7 @@
                             </p:stCondLst>
                             <p:childTnLst>
                               <p:par>
-                                <p:cTn id="9" presetID="1" presetClass="entr" presetSubtype="0" fill="hold" grpId="0" nodeType="clickEffect">
+                                <p:cTn id="9" presetID="1" presetClass="entr" presetSubtype="0" fill="hold" grpId="1" nodeType="clickEffect">
                                   <p:stCondLst>
                                     <p:cond delay="0"/>
                                   </p:stCondLst>
@@ -14549,7 +14549,7 @@
                             </p:stCondLst>
                             <p:childTnLst>
                               <p:par>
-                                <p:cTn id="13" presetID="1" presetClass="entr" presetSubtype="0" fill="hold" grpId="1" nodeType="clickEffect">
+                                <p:cTn id="13" presetID="1" presetClass="entr" presetSubtype="0" fill="hold" grpId="0" nodeType="clickEffect">
                                   <p:stCondLst>
                                     <p:cond delay="0"/>
                                   </p:stCondLst>
@@ -14562,7 +14562,7 @@
                                           </p:stCondLst>
                                         </p:cTn>
                                         <p:tgtEl>
-                                          <p:spTgt spid="6"/>
+                                          <p:spTgt spid="5"/>
                                         </p:tgtEl>
                                         <p:attrNameLst>
                                           <p:attrName>style.visibility</p:attrName>

--- a/week13/Lecture13.pptx
+++ b/week13/Lecture13.pptx
@@ -214,7 +214,7 @@
           <a:p>
             <a:fld id="{634F3F22-B4BB-3F48-9180-464A9F2D66D1}" type="datetimeFigureOut">
               <a:rPr kumimoji="1" lang="zh-CN" altLang="en-US" smtClean="0"/>
-              <a:t>2021/12/14</a:t>
+              <a:t>2023/5/9</a:t>
             </a:fld>
             <a:endParaRPr kumimoji="1" lang="zh-CN" altLang="en-US"/>
           </a:p>
@@ -694,7 +694,7 @@
           <a:p>
             <a:fld id="{FC19A4FA-3D9A-4114-B0D5-759CBD56F1AB}" type="datetimeFigureOut">
               <a:rPr lang="zh-CN" altLang="en-US" smtClean="0"/>
-              <a:t>2021/12/14</a:t>
+              <a:t>2023/5/9</a:t>
             </a:fld>
             <a:endParaRPr lang="zh-CN" altLang="en-US"/>
           </a:p>
@@ -897,7 +897,7 @@
           <a:p>
             <a:fld id="{FC19A4FA-3D9A-4114-B0D5-759CBD56F1AB}" type="datetimeFigureOut">
               <a:rPr lang="zh-CN" altLang="en-US" smtClean="0"/>
-              <a:t>2021/12/14</a:t>
+              <a:t>2023/5/9</a:t>
             </a:fld>
             <a:endParaRPr lang="zh-CN" altLang="en-US"/>
           </a:p>
@@ -1075,7 +1075,7 @@
           <a:p>
             <a:fld id="{FC19A4FA-3D9A-4114-B0D5-759CBD56F1AB}" type="datetimeFigureOut">
               <a:rPr lang="zh-CN" altLang="en-US" smtClean="0"/>
-              <a:t>2021/12/14</a:t>
+              <a:t>2023/5/9</a:t>
             </a:fld>
             <a:endParaRPr lang="zh-CN" altLang="en-US"/>
           </a:p>
@@ -1299,7 +1299,7 @@
           <a:p>
             <a:fld id="{FC19A4FA-3D9A-4114-B0D5-759CBD56F1AB}" type="datetimeFigureOut">
               <a:rPr lang="zh-CN" altLang="en-US" smtClean="0"/>
-              <a:t>2021/12/14</a:t>
+              <a:t>2023/5/9</a:t>
             </a:fld>
             <a:endParaRPr lang="zh-CN" altLang="en-US"/>
           </a:p>
@@ -1533,7 +1533,7 @@
           <a:p>
             <a:fld id="{FC19A4FA-3D9A-4114-B0D5-759CBD56F1AB}" type="datetimeFigureOut">
               <a:rPr lang="zh-CN" altLang="en-US" smtClean="0"/>
-              <a:t>2021/12/14</a:t>
+              <a:t>2023/5/9</a:t>
             </a:fld>
             <a:endParaRPr lang="zh-CN" altLang="en-US"/>
           </a:p>
@@ -1932,7 +1932,7 @@
           <a:p>
             <a:fld id="{FC19A4FA-3D9A-4114-B0D5-759CBD56F1AB}" type="datetimeFigureOut">
               <a:rPr lang="zh-CN" altLang="en-US" smtClean="0"/>
-              <a:t>2021/12/14</a:t>
+              <a:t>2023/5/9</a:t>
             </a:fld>
             <a:endParaRPr lang="zh-CN" altLang="en-US"/>
           </a:p>
@@ -2212,7 +2212,7 @@
           <a:p>
             <a:fld id="{FC19A4FA-3D9A-4114-B0D5-759CBD56F1AB}" type="datetimeFigureOut">
               <a:rPr lang="zh-CN" altLang="en-US" smtClean="0"/>
-              <a:t>2021/12/14</a:t>
+              <a:t>2023/5/9</a:t>
             </a:fld>
             <a:endParaRPr lang="zh-CN" altLang="en-US"/>
           </a:p>
@@ -2364,7 +2364,7 @@
           <a:p>
             <a:fld id="{FC19A4FA-3D9A-4114-B0D5-759CBD56F1AB}" type="datetimeFigureOut">
               <a:rPr lang="zh-CN" altLang="en-US" smtClean="0"/>
-              <a:t>2021/12/14</a:t>
+              <a:t>2023/5/9</a:t>
             </a:fld>
             <a:endParaRPr lang="zh-CN" altLang="en-US"/>
           </a:p>
@@ -2494,7 +2494,7 @@
           <a:p>
             <a:fld id="{FC19A4FA-3D9A-4114-B0D5-759CBD56F1AB}" type="datetimeFigureOut">
               <a:rPr lang="zh-CN" altLang="en-US" smtClean="0"/>
-              <a:t>2021/12/14</a:t>
+              <a:t>2023/5/9</a:t>
             </a:fld>
             <a:endParaRPr lang="zh-CN" altLang="en-US"/>
           </a:p>
@@ -2804,7 +2804,7 @@
           <a:p>
             <a:fld id="{FC19A4FA-3D9A-4114-B0D5-759CBD56F1AB}" type="datetimeFigureOut">
               <a:rPr lang="zh-CN" altLang="en-US" smtClean="0"/>
-              <a:t>2021/12/14</a:t>
+              <a:t>2023/5/9</a:t>
             </a:fld>
             <a:endParaRPr lang="zh-CN" altLang="en-US"/>
           </a:p>
@@ -3091,7 +3091,7 @@
           <a:p>
             <a:fld id="{FC19A4FA-3D9A-4114-B0D5-759CBD56F1AB}" type="datetimeFigureOut">
               <a:rPr lang="zh-CN" altLang="en-US" smtClean="0"/>
-              <a:t>2021/12/14</a:t>
+              <a:t>2023/5/9</a:t>
             </a:fld>
             <a:endParaRPr lang="zh-CN" altLang="en-US"/>
           </a:p>
@@ -3384,7 +3384,7 @@
           <a:p>
             <a:fld id="{FC19A4FA-3D9A-4114-B0D5-759CBD56F1AB}" type="datetimeFigureOut">
               <a:rPr lang="zh-CN" altLang="en-US" smtClean="0"/>
-              <a:t>2021/12/14</a:t>
+              <a:t>2023/5/9</a:t>
             </a:fld>
             <a:endParaRPr lang="zh-CN" altLang="en-US"/>
           </a:p>
@@ -14279,7 +14279,7 @@
         <p:spPr>
           <a:xfrm>
             <a:off x="8143075" y="2245628"/>
-            <a:ext cx="4016830" cy="830997"/>
+            <a:ext cx="4016830" cy="1938992"/>
           </a:xfrm>
           <a:prstGeom prst="rect">
             <a:avLst/>
@@ -14300,6 +14300,26 @@
             <a:r>
               <a:rPr lang="en" altLang="zh-CN" sz="2400" dirty="0">
                 <a:solidFill>
+                  <a:srgbClr val="0000FF"/>
+                </a:solidFill>
+                <a:latin typeface="Menlo" panose="020B0609030804020204" pitchFamily="49" charset="0"/>
+              </a:rPr>
+              <a:t>int</a:t>
+            </a:r>
+            <a:r>
+              <a:rPr lang="en" altLang="zh-CN" sz="2400" dirty="0">
+                <a:solidFill>
+                  <a:srgbClr val="000000"/>
+                </a:solidFill>
+                <a:latin typeface="Menlo" panose="020B0609030804020204" pitchFamily="49" charset="0"/>
+              </a:rPr>
+              <a:t> r=3, r=3;</a:t>
+            </a:r>
+          </a:p>
+          <a:p>
+            <a:r>
+              <a:rPr lang="en" altLang="zh-CN" sz="2400" dirty="0">
+                <a:solidFill>
                   <a:srgbClr val="000000"/>
                 </a:solidFill>
                 <a:latin typeface="Menlo" panose="020B0609030804020204" pitchFamily="49" charset="0"/>
@@ -14331,7 +14351,7 @@
                 </a:solidFill>
                 <a:latin typeface="Menlo" panose="020B0609030804020204" pitchFamily="49" charset="0"/>
               </a:rPr>
-              <a:t>vec1(3, 3)</a:t>
+              <a:t>vec1(r, c)</a:t>
             </a:r>
             <a:r>
               <a:rPr lang="en" altLang="zh-CN" sz="2400" dirty="0">
@@ -14369,6 +14389,61 @@
                 </a:solidFill>
                 <a:latin typeface="Menlo" panose="020B0609030804020204" pitchFamily="49" charset="0"/>
               </a:rPr>
+              <a:t>&gt; </a:t>
+            </a:r>
+            <a:r>
+              <a:rPr lang="en" altLang="zh-CN" sz="2400" dirty="0">
+                <a:solidFill>
+                  <a:srgbClr val="001080"/>
+                </a:solidFill>
+                <a:latin typeface="Menlo" panose="020B0609030804020204" pitchFamily="49" charset="0"/>
+              </a:rPr>
+              <a:t>vec2(3, 3)</a:t>
+            </a:r>
+            <a:r>
+              <a:rPr lang="en" altLang="zh-CN" sz="2400" dirty="0">
+                <a:solidFill>
+                  <a:srgbClr val="000000"/>
+                </a:solidFill>
+                <a:latin typeface="Menlo" panose="020B0609030804020204" pitchFamily="49" charset="0"/>
+              </a:rPr>
+              <a:t>;</a:t>
+            </a:r>
+          </a:p>
+          <a:p>
+            <a:endParaRPr lang="en" altLang="zh-CN" sz="2400" dirty="0">
+              <a:solidFill>
+                <a:srgbClr val="000000"/>
+              </a:solidFill>
+              <a:latin typeface="Menlo" panose="020B0609030804020204" pitchFamily="49" charset="0"/>
+            </a:endParaRPr>
+          </a:p>
+          <a:p>
+            <a:r>
+              <a:rPr lang="en" altLang="zh-CN" sz="2400" dirty="0">
+                <a:solidFill>
+                  <a:srgbClr val="000000"/>
+                </a:solidFill>
+                <a:latin typeface="Menlo" panose="020B0609030804020204" pitchFamily="49" charset="0"/>
+              </a:rPr>
+              <a:t>Mat&lt;</a:t>
+            </a:r>
+            <a:r>
+              <a:rPr lang="en" altLang="zh-CN" sz="2400" dirty="0">
+                <a:solidFill>
+                  <a:srgbClr val="0000FF"/>
+                </a:solidFill>
+                <a:latin typeface="Menlo" panose="020B0609030804020204" pitchFamily="49" charset="0"/>
+              </a:rPr>
+              <a:t>int</a:t>
+            </a:r>
+            <a:r>
+              <a:rPr lang="en" altLang="zh-CN" sz="2400" dirty="0">
+                <a:solidFill>
+                  <a:srgbClr val="000000"/>
+                </a:solidFill>
+                <a:latin typeface="Menlo" panose="020B0609030804020204" pitchFamily="49" charset="0"/>
+              </a:rPr>
               <a:t>, </a:t>
             </a:r>
             <a:r>
@@ -14414,7 +14489,7 @@
                 </a:solidFill>
                 <a:latin typeface="Menlo" panose="020B0609030804020204" pitchFamily="49" charset="0"/>
               </a:rPr>
-              <a:t>vec2</a:t>
+              <a:t>vec3</a:t>
             </a:r>
             <a:r>
               <a:rPr lang="en" altLang="zh-CN" sz="2400" dirty="0">

--- a/week13/Lecture13.pptx
+++ b/week13/Lecture13.pptx
@@ -214,7 +214,7 @@
           <a:p>
             <a:fld id="{634F3F22-B4BB-3F48-9180-464A9F2D66D1}" type="datetimeFigureOut">
               <a:rPr kumimoji="1" lang="zh-CN" altLang="en-US" smtClean="0"/>
-              <a:t>2023/5/9</a:t>
+              <a:t>2023/5/10</a:t>
             </a:fld>
             <a:endParaRPr kumimoji="1" lang="zh-CN" altLang="en-US"/>
           </a:p>
@@ -694,7 +694,7 @@
           <a:p>
             <a:fld id="{FC19A4FA-3D9A-4114-B0D5-759CBD56F1AB}" type="datetimeFigureOut">
               <a:rPr lang="zh-CN" altLang="en-US" smtClean="0"/>
-              <a:t>2023/5/9</a:t>
+              <a:t>2023/5/10</a:t>
             </a:fld>
             <a:endParaRPr lang="zh-CN" altLang="en-US"/>
           </a:p>
@@ -897,7 +897,7 @@
           <a:p>
             <a:fld id="{FC19A4FA-3D9A-4114-B0D5-759CBD56F1AB}" type="datetimeFigureOut">
               <a:rPr lang="zh-CN" altLang="en-US" smtClean="0"/>
-              <a:t>2023/5/9</a:t>
+              <a:t>2023/5/10</a:t>
             </a:fld>
             <a:endParaRPr lang="zh-CN" altLang="en-US"/>
           </a:p>
@@ -1075,7 +1075,7 @@
           <a:p>
             <a:fld id="{FC19A4FA-3D9A-4114-B0D5-759CBD56F1AB}" type="datetimeFigureOut">
               <a:rPr lang="zh-CN" altLang="en-US" smtClean="0"/>
-              <a:t>2023/5/9</a:t>
+              <a:t>2023/5/10</a:t>
             </a:fld>
             <a:endParaRPr lang="zh-CN" altLang="en-US"/>
           </a:p>
@@ -1299,7 +1299,7 @@
           <a:p>
             <a:fld id="{FC19A4FA-3D9A-4114-B0D5-759CBD56F1AB}" type="datetimeFigureOut">
               <a:rPr lang="zh-CN" altLang="en-US" smtClean="0"/>
-              <a:t>2023/5/9</a:t>
+              <a:t>2023/5/10</a:t>
             </a:fld>
             <a:endParaRPr lang="zh-CN" altLang="en-US"/>
           </a:p>
@@ -1533,7 +1533,7 @@
           <a:p>
             <a:fld id="{FC19A4FA-3D9A-4114-B0D5-759CBD56F1AB}" type="datetimeFigureOut">
               <a:rPr lang="zh-CN" altLang="en-US" smtClean="0"/>
-              <a:t>2023/5/9</a:t>
+              <a:t>2023/5/10</a:t>
             </a:fld>
             <a:endParaRPr lang="zh-CN" altLang="en-US"/>
           </a:p>
@@ -1932,7 +1932,7 @@
           <a:p>
             <a:fld id="{FC19A4FA-3D9A-4114-B0D5-759CBD56F1AB}" type="datetimeFigureOut">
               <a:rPr lang="zh-CN" altLang="en-US" smtClean="0"/>
-              <a:t>2023/5/9</a:t>
+              <a:t>2023/5/10</a:t>
             </a:fld>
             <a:endParaRPr lang="zh-CN" altLang="en-US"/>
           </a:p>
@@ -2212,7 +2212,7 @@
           <a:p>
             <a:fld id="{FC19A4FA-3D9A-4114-B0D5-759CBD56F1AB}" type="datetimeFigureOut">
               <a:rPr lang="zh-CN" altLang="en-US" smtClean="0"/>
-              <a:t>2023/5/9</a:t>
+              <a:t>2023/5/10</a:t>
             </a:fld>
             <a:endParaRPr lang="zh-CN" altLang="en-US"/>
           </a:p>
@@ -2364,7 +2364,7 @@
           <a:p>
             <a:fld id="{FC19A4FA-3D9A-4114-B0D5-759CBD56F1AB}" type="datetimeFigureOut">
               <a:rPr lang="zh-CN" altLang="en-US" smtClean="0"/>
-              <a:t>2023/5/9</a:t>
+              <a:t>2023/5/10</a:t>
             </a:fld>
             <a:endParaRPr lang="zh-CN" altLang="en-US"/>
           </a:p>
@@ -2494,7 +2494,7 @@
           <a:p>
             <a:fld id="{FC19A4FA-3D9A-4114-B0D5-759CBD56F1AB}" type="datetimeFigureOut">
               <a:rPr lang="zh-CN" altLang="en-US" smtClean="0"/>
-              <a:t>2023/5/9</a:t>
+              <a:t>2023/5/10</a:t>
             </a:fld>
             <a:endParaRPr lang="zh-CN" altLang="en-US"/>
           </a:p>
@@ -2804,7 +2804,7 @@
           <a:p>
             <a:fld id="{FC19A4FA-3D9A-4114-B0D5-759CBD56F1AB}" type="datetimeFigureOut">
               <a:rPr lang="zh-CN" altLang="en-US" smtClean="0"/>
-              <a:t>2023/5/9</a:t>
+              <a:t>2023/5/10</a:t>
             </a:fld>
             <a:endParaRPr lang="zh-CN" altLang="en-US"/>
           </a:p>
@@ -3091,7 +3091,7 @@
           <a:p>
             <a:fld id="{FC19A4FA-3D9A-4114-B0D5-759CBD56F1AB}" type="datetimeFigureOut">
               <a:rPr lang="zh-CN" altLang="en-US" smtClean="0"/>
-              <a:t>2023/5/9</a:t>
+              <a:t>2023/5/10</a:t>
             </a:fld>
             <a:endParaRPr lang="zh-CN" altLang="en-US"/>
           </a:p>
@@ -3384,7 +3384,7 @@
           <a:p>
             <a:fld id="{FC19A4FA-3D9A-4114-B0D5-759CBD56F1AB}" type="datetimeFigureOut">
               <a:rPr lang="zh-CN" altLang="en-US" smtClean="0"/>
-              <a:t>2023/5/9</a:t>
+              <a:t>2023/5/10</a:t>
             </a:fld>
             <a:endParaRPr lang="zh-CN" altLang="en-US"/>
           </a:p>
@@ -4784,7 +4784,7 @@
               <a:t>T</a:t>
             </a:r>
             <a:r>
-              <a:rPr lang="en" altLang="zh-CN" dirty="0">
+              <a:rPr lang="en" altLang="zh-CN">
                 <a:solidFill>
                   <a:srgbClr val="000000"/>
                 </a:solidFill>
@@ -4793,7 +4793,7 @@
               <a:t>[</a:t>
             </a:r>
             <a:r>
-              <a:rPr lang="en" altLang="zh-CN" dirty="0">
+              <a:rPr lang="en" altLang="zh-CN">
                 <a:solidFill>
                   <a:srgbClr val="001080"/>
                 </a:solidFill>
@@ -4802,49 +4802,22 @@
               <a:t>length</a:t>
             </a:r>
             <a:r>
-              <a:rPr lang="en" altLang="zh-CN" dirty="0">
-                <a:solidFill>
-                  <a:srgbClr val="000000"/>
-                </a:solidFill>
-                <a:latin typeface="Menlo" panose="020B0609030804020204" pitchFamily="49" charset="0"/>
-              </a:rPr>
-              <a:t> * </a:t>
-            </a:r>
-            <a:r>
-              <a:rPr lang="en" altLang="zh-CN" dirty="0" err="1">
-                <a:solidFill>
-                  <a:srgbClr val="0000FF"/>
-                </a:solidFill>
-                <a:latin typeface="Menlo" panose="020B0609030804020204" pitchFamily="49" charset="0"/>
-              </a:rPr>
-              <a:t>sizeof</a:t>
-            </a:r>
-            <a:r>
-              <a:rPr lang="en" altLang="zh-CN" dirty="0">
-                <a:solidFill>
-                  <a:srgbClr val="000000"/>
-                </a:solidFill>
-                <a:latin typeface="Menlo" panose="020B0609030804020204" pitchFamily="49" charset="0"/>
-              </a:rPr>
-              <a:t>(</a:t>
-            </a:r>
-            <a:r>
-              <a:rPr lang="en" altLang="zh-CN" dirty="0">
-                <a:solidFill>
-                  <a:srgbClr val="267F99"/>
-                </a:solidFill>
-                <a:latin typeface="Menlo" panose="020B0609030804020204" pitchFamily="49" charset="0"/>
-              </a:rPr>
-              <a:t>T</a:t>
-            </a:r>
-            <a:r>
-              <a:rPr lang="en" altLang="zh-CN" dirty="0">
-                <a:solidFill>
-                  <a:srgbClr val="000000"/>
-                </a:solidFill>
-                <a:latin typeface="Menlo" panose="020B0609030804020204" pitchFamily="49" charset="0"/>
-              </a:rPr>
-              <a:t>)]{}; }</a:t>
+              <a:rPr lang="en" altLang="zh-CN">
+                <a:solidFill>
+                  <a:srgbClr val="000000"/>
+                </a:solidFill>
+                <a:latin typeface="Menlo" panose="020B0609030804020204" pitchFamily="49" charset="0"/>
+              </a:rPr>
+              <a:t>]{}; </a:t>
+            </a:r>
+            <a:r>
+              <a:rPr lang="en" altLang="zh-CN" dirty="0">
+                <a:solidFill>
+                  <a:srgbClr val="000000"/>
+                </a:solidFill>
+                <a:latin typeface="Menlo" panose="020B0609030804020204" pitchFamily="49" charset="0"/>
+              </a:rPr>
+              <a:t>}</a:t>
             </a:r>
           </a:p>
           <a:p>
@@ -12184,43 +12157,7 @@
                 </a:solidFill>
                 <a:latin typeface="Menlo" panose="020B0609030804020204" pitchFamily="49" charset="0"/>
               </a:rPr>
-              <a:t> * </a:t>
-            </a:r>
-            <a:r>
-              <a:rPr lang="en" altLang="zh-CN" dirty="0" err="1">
-                <a:solidFill>
-                  <a:srgbClr val="0000FF"/>
-                </a:solidFill>
-                <a:latin typeface="Menlo" panose="020B0609030804020204" pitchFamily="49" charset="0"/>
-              </a:rPr>
-              <a:t>sizeof</a:t>
-            </a:r>
-            <a:r>
-              <a:rPr lang="en" altLang="zh-CN" dirty="0">
-                <a:solidFill>
-                  <a:srgbClr val="000000"/>
-                </a:solidFill>
-                <a:latin typeface="Menlo" panose="020B0609030804020204" pitchFamily="49" charset="0"/>
-              </a:rPr>
-              <a:t>(</a:t>
-            </a:r>
-            <a:r>
-              <a:rPr lang="en" altLang="zh-CN" dirty="0">
-                <a:solidFill>
-                  <a:srgbClr val="267F99"/>
-                </a:solidFill>
-                <a:latin typeface="Menlo" panose="020B0609030804020204" pitchFamily="49" charset="0"/>
-              </a:rPr>
-              <a:t>T</a:t>
-            </a:r>
-            <a:r>
-              <a:rPr lang="en" altLang="zh-CN" dirty="0">
-                <a:solidFill>
-                  <a:srgbClr val="000000"/>
-                </a:solidFill>
-                <a:latin typeface="Menlo" panose="020B0609030804020204" pitchFamily="49" charset="0"/>
-              </a:rPr>
-              <a:t>)]{};</a:t>
+              <a:t>]{};</a:t>
             </a:r>
           </a:p>
           <a:p>
@@ -14313,7 +14250,7 @@
                 </a:solidFill>
                 <a:latin typeface="Menlo" panose="020B0609030804020204" pitchFamily="49" charset="0"/>
               </a:rPr>
-              <a:t> r=3, r=3;</a:t>
+              <a:t> r=3, c=3;</a:t>
             </a:r>
           </a:p>
           <a:p>

--- a/week13/Lecture13.pptx
+++ b/week13/Lecture13.pptx
@@ -217,7 +217,7 @@
           <a:p>
             <a:fld id="{634F3F22-B4BB-3F48-9180-464A9F2D66D1}" type="datetimeFigureOut">
               <a:rPr kumimoji="1" lang="zh-CN" altLang="en-US" smtClean="0"/>
-              <a:t>2024/5/21</a:t>
+              <a:t>2024/5/28</a:t>
             </a:fld>
             <a:endParaRPr kumimoji="1" lang="zh-CN" altLang="en-US"/>
           </a:p>
@@ -697,7 +697,7 @@
           <a:p>
             <a:fld id="{FC19A4FA-3D9A-4114-B0D5-759CBD56F1AB}" type="datetimeFigureOut">
               <a:rPr lang="zh-CN" altLang="en-US" smtClean="0"/>
-              <a:t>2024/5/21</a:t>
+              <a:t>2024/5/28</a:t>
             </a:fld>
             <a:endParaRPr lang="zh-CN" altLang="en-US"/>
           </a:p>
@@ -900,7 +900,7 @@
           <a:p>
             <a:fld id="{FC19A4FA-3D9A-4114-B0D5-759CBD56F1AB}" type="datetimeFigureOut">
               <a:rPr lang="zh-CN" altLang="en-US" smtClean="0"/>
-              <a:t>2024/5/21</a:t>
+              <a:t>2024/5/28</a:t>
             </a:fld>
             <a:endParaRPr lang="zh-CN" altLang="en-US"/>
           </a:p>
@@ -1078,7 +1078,7 @@
           <a:p>
             <a:fld id="{FC19A4FA-3D9A-4114-B0D5-759CBD56F1AB}" type="datetimeFigureOut">
               <a:rPr lang="zh-CN" altLang="en-US" smtClean="0"/>
-              <a:t>2024/5/21</a:t>
+              <a:t>2024/5/28</a:t>
             </a:fld>
             <a:endParaRPr lang="zh-CN" altLang="en-US"/>
           </a:p>
@@ -1302,7 +1302,7 @@
           <a:p>
             <a:fld id="{FC19A4FA-3D9A-4114-B0D5-759CBD56F1AB}" type="datetimeFigureOut">
               <a:rPr lang="zh-CN" altLang="en-US" smtClean="0"/>
-              <a:t>2024/5/21</a:t>
+              <a:t>2024/5/28</a:t>
             </a:fld>
             <a:endParaRPr lang="zh-CN" altLang="en-US"/>
           </a:p>
@@ -1536,7 +1536,7 @@
           <a:p>
             <a:fld id="{FC19A4FA-3D9A-4114-B0D5-759CBD56F1AB}" type="datetimeFigureOut">
               <a:rPr lang="zh-CN" altLang="en-US" smtClean="0"/>
-              <a:t>2024/5/21</a:t>
+              <a:t>2024/5/28</a:t>
             </a:fld>
             <a:endParaRPr lang="zh-CN" altLang="en-US"/>
           </a:p>
@@ -1935,7 +1935,7 @@
           <a:p>
             <a:fld id="{FC19A4FA-3D9A-4114-B0D5-759CBD56F1AB}" type="datetimeFigureOut">
               <a:rPr lang="zh-CN" altLang="en-US" smtClean="0"/>
-              <a:t>2024/5/21</a:t>
+              <a:t>2024/5/28</a:t>
             </a:fld>
             <a:endParaRPr lang="zh-CN" altLang="en-US"/>
           </a:p>
@@ -2215,7 +2215,7 @@
           <a:p>
             <a:fld id="{FC19A4FA-3D9A-4114-B0D5-759CBD56F1AB}" type="datetimeFigureOut">
               <a:rPr lang="zh-CN" altLang="en-US" smtClean="0"/>
-              <a:t>2024/5/21</a:t>
+              <a:t>2024/5/28</a:t>
             </a:fld>
             <a:endParaRPr lang="zh-CN" altLang="en-US"/>
           </a:p>
@@ -2367,7 +2367,7 @@
           <a:p>
             <a:fld id="{FC19A4FA-3D9A-4114-B0D5-759CBD56F1AB}" type="datetimeFigureOut">
               <a:rPr lang="zh-CN" altLang="en-US" smtClean="0"/>
-              <a:t>2024/5/21</a:t>
+              <a:t>2024/5/28</a:t>
             </a:fld>
             <a:endParaRPr lang="zh-CN" altLang="en-US"/>
           </a:p>
@@ -2497,7 +2497,7 @@
           <a:p>
             <a:fld id="{FC19A4FA-3D9A-4114-B0D5-759CBD56F1AB}" type="datetimeFigureOut">
               <a:rPr lang="zh-CN" altLang="en-US" smtClean="0"/>
-              <a:t>2024/5/21</a:t>
+              <a:t>2024/5/28</a:t>
             </a:fld>
             <a:endParaRPr lang="zh-CN" altLang="en-US"/>
           </a:p>
@@ -2807,7 +2807,7 @@
           <a:p>
             <a:fld id="{FC19A4FA-3D9A-4114-B0D5-759CBD56F1AB}" type="datetimeFigureOut">
               <a:rPr lang="zh-CN" altLang="en-US" smtClean="0"/>
-              <a:t>2024/5/21</a:t>
+              <a:t>2024/5/28</a:t>
             </a:fld>
             <a:endParaRPr lang="zh-CN" altLang="en-US"/>
           </a:p>
@@ -3094,7 +3094,7 @@
           <a:p>
             <a:fld id="{FC19A4FA-3D9A-4114-B0D5-759CBD56F1AB}" type="datetimeFigureOut">
               <a:rPr lang="zh-CN" altLang="en-US" smtClean="0"/>
-              <a:t>2024/5/21</a:t>
+              <a:t>2024/5/28</a:t>
             </a:fld>
             <a:endParaRPr lang="zh-CN" altLang="en-US"/>
           </a:p>
@@ -3387,7 +3387,7 @@
           <a:p>
             <a:fld id="{FC19A4FA-3D9A-4114-B0D5-759CBD56F1AB}" type="datetimeFigureOut">
               <a:rPr lang="zh-CN" altLang="en-US" smtClean="0"/>
-              <a:t>2024/5/21</a:t>
+              <a:t>2024/5/28</a:t>
             </a:fld>
             <a:endParaRPr lang="zh-CN" altLang="en-US"/>
           </a:p>
@@ -12026,7 +12026,7 @@
         <p:spPr>
           <a:xfrm>
             <a:off x="898676" y="2206645"/>
-            <a:ext cx="9278587" cy="3693319"/>
+            <a:ext cx="9278587" cy="3139321"/>
           </a:xfrm>
           <a:prstGeom prst="rect">
             <a:avLst/>
@@ -12119,7 +12119,7 @@
                 </a:solidFill>
                 <a:latin typeface="Menlo" panose="020B0609030804020204" pitchFamily="49" charset="0"/>
               </a:rPr>
-              <a:t>product</a:t>
+              <a:t>sum</a:t>
             </a:r>
             <a:r>
               <a:rPr lang="en" altLang="zh-CN" dirty="0">
@@ -12422,7 +12422,7 @@
                 </a:solidFill>
                 <a:latin typeface="Menlo" panose="020B0609030804020204" pitchFamily="49" charset="0"/>
               </a:rPr>
-              <a:t> * </a:t>
+              <a:t> + </a:t>
             </a:r>
             <a:r>
               <a:rPr lang="en" altLang="zh-CN" dirty="0">
@@ -12470,7 +12470,25 @@
                 </a:solidFill>
                 <a:latin typeface="Menlo" panose="020B0609030804020204" pitchFamily="49" charset="0"/>
               </a:rPr>
-              <a:t>// Implicitly instantiates product&lt;int&gt;(int, int)</a:t>
+              <a:t>// Implicitly instantiates </a:t>
+            </a:r>
+            <a:r>
+              <a:rPr lang="en-US" altLang="zh-CN" dirty="0">
+                <a:solidFill>
+                  <a:srgbClr val="008000"/>
+                </a:solidFill>
+                <a:latin typeface="Menlo" panose="020B0609030804020204" pitchFamily="49" charset="0"/>
+              </a:rPr>
+              <a:t>sum</a:t>
+            </a:r>
+            <a:r>
+              <a:rPr lang="en" altLang="zh-CN" dirty="0">
+                <a:solidFill>
+                  <a:srgbClr val="008000"/>
+                </a:solidFill>
+                <a:latin typeface="Menlo" panose="020B0609030804020204" pitchFamily="49" charset="0"/>
+              </a:rPr>
+              <a:t>&lt;int&gt;(int, int)</a:t>
             </a:r>
             <a:endParaRPr lang="en" altLang="zh-CN" dirty="0">
               <a:solidFill>
@@ -12523,7 +12541,25 @@
                 </a:solidFill>
                 <a:latin typeface="Menlo" panose="020B0609030804020204" pitchFamily="49" charset="0"/>
               </a:rPr>
-              <a:t>"product = "</a:t>
+              <a:t>”</a:t>
+            </a:r>
+            <a:r>
+              <a:rPr lang="en-US" altLang="zh-CN" dirty="0">
+                <a:solidFill>
+                  <a:srgbClr val="A31515"/>
+                </a:solidFill>
+                <a:latin typeface="Menlo" panose="020B0609030804020204" pitchFamily="49" charset="0"/>
+              </a:rPr>
+              <a:t>sum</a:t>
+            </a:r>
+            <a:r>
+              <a:rPr lang="en" altLang="zh-CN" dirty="0">
+                <a:solidFill>
+                  <a:srgbClr val="A31515"/>
+                </a:solidFill>
+                <a:latin typeface="Menlo" panose="020B0609030804020204" pitchFamily="49" charset="0"/>
+              </a:rPr>
+              <a:t> = "</a:t>
             </a:r>
             <a:r>
               <a:rPr lang="en" altLang="zh-CN" dirty="0">
@@ -12553,13 +12589,13 @@
               <a:t> </a:t>
             </a:r>
             <a:r>
-              <a:rPr lang="en" altLang="zh-CN" dirty="0">
+              <a:rPr lang="en-US" altLang="zh-CN" dirty="0">
                 <a:solidFill>
                   <a:srgbClr val="795E26"/>
                 </a:solidFill>
                 <a:latin typeface="Menlo" panose="020B0609030804020204" pitchFamily="49" charset="0"/>
               </a:rPr>
-              <a:t>product</a:t>
+              <a:t>sum</a:t>
             </a:r>
             <a:r>
               <a:rPr lang="en" altLang="zh-CN" dirty="0">
@@ -12669,7 +12705,25 @@
                 </a:solidFill>
                 <a:latin typeface="Menlo" panose="020B0609030804020204" pitchFamily="49" charset="0"/>
               </a:rPr>
-              <a:t>// Implicitly instantiates product&lt;float&gt;(float, float)</a:t>
+              <a:t>// Implicitly instantiates </a:t>
+            </a:r>
+            <a:r>
+              <a:rPr lang="en-US" altLang="zh-CN" dirty="0">
+                <a:solidFill>
+                  <a:srgbClr val="008000"/>
+                </a:solidFill>
+                <a:latin typeface="Menlo" panose="020B0609030804020204" pitchFamily="49" charset="0"/>
+              </a:rPr>
+              <a:t>sum</a:t>
+            </a:r>
+            <a:r>
+              <a:rPr lang="en" altLang="zh-CN" dirty="0">
+                <a:solidFill>
+                  <a:srgbClr val="008000"/>
+                </a:solidFill>
+                <a:latin typeface="Menlo" panose="020B0609030804020204" pitchFamily="49" charset="0"/>
+              </a:rPr>
+              <a:t>&lt;float&gt;(float, float)</a:t>
             </a:r>
             <a:endParaRPr lang="en" altLang="zh-CN" dirty="0">
               <a:solidFill>
@@ -12722,7 +12776,25 @@
                 </a:solidFill>
                 <a:latin typeface="Menlo" panose="020B0609030804020204" pitchFamily="49" charset="0"/>
               </a:rPr>
-              <a:t>"product = "</a:t>
+              <a:t>”</a:t>
+            </a:r>
+            <a:r>
+              <a:rPr lang="en-US" altLang="zh-CN" dirty="0">
+                <a:solidFill>
+                  <a:srgbClr val="A31515"/>
+                </a:solidFill>
+                <a:latin typeface="Menlo" panose="020B0609030804020204" pitchFamily="49" charset="0"/>
+              </a:rPr>
+              <a:t>sum</a:t>
+            </a:r>
+            <a:r>
+              <a:rPr lang="en" altLang="zh-CN" dirty="0">
+                <a:solidFill>
+                  <a:srgbClr val="A31515"/>
+                </a:solidFill>
+                <a:latin typeface="Menlo" panose="020B0609030804020204" pitchFamily="49" charset="0"/>
+              </a:rPr>
+              <a:t> = "</a:t>
             </a:r>
             <a:r>
               <a:rPr lang="en" altLang="zh-CN" dirty="0">
@@ -12752,13 +12824,13 @@
               <a:t> </a:t>
             </a:r>
             <a:r>
-              <a:rPr lang="en" altLang="zh-CN" dirty="0">
+              <a:rPr lang="en-US" altLang="zh-CN" dirty="0">
                 <a:solidFill>
                   <a:srgbClr val="795E26"/>
                 </a:solidFill>
                 <a:latin typeface="Menlo" panose="020B0609030804020204" pitchFamily="49" charset="0"/>
               </a:rPr>
-              <a:t>product</a:t>
+              <a:t>sum</a:t>
             </a:r>
             <a:r>
               <a:rPr lang="en" altLang="zh-CN" dirty="0">
@@ -12841,22 +12913,6 @@
               </a:rPr>
               <a:t>;</a:t>
             </a:r>
-          </a:p>
-          <a:p>
-            <a:br>
-              <a:rPr lang="en" altLang="zh-CN" dirty="0">
-                <a:solidFill>
-                  <a:srgbClr val="000000"/>
-                </a:solidFill>
-                <a:latin typeface="Menlo" panose="020B0609030804020204" pitchFamily="49" charset="0"/>
-              </a:rPr>
-            </a:br>
-            <a:endParaRPr lang="en" altLang="zh-CN" dirty="0">
-              <a:solidFill>
-                <a:srgbClr val="000000"/>
-              </a:solidFill>
-              <a:latin typeface="Menlo" panose="020B0609030804020204" pitchFamily="49" charset="0"/>
-            </a:endParaRPr>
           </a:p>
         </p:txBody>
       </p:sp>

--- a/week13/Lecture13.pptx
+++ b/week13/Lecture13.pptx
@@ -217,7 +217,7 @@
           <a:p>
             <a:fld id="{634F3F22-B4BB-3F48-9180-464A9F2D66D1}" type="datetimeFigureOut">
               <a:rPr kumimoji="1" lang="zh-CN" altLang="en-US" smtClean="0"/>
-              <a:t>2024/5/28</a:t>
+              <a:t>2025/5/20</a:t>
             </a:fld>
             <a:endParaRPr kumimoji="1" lang="zh-CN" altLang="en-US"/>
           </a:p>
@@ -697,7 +697,7 @@
           <a:p>
             <a:fld id="{FC19A4FA-3D9A-4114-B0D5-759CBD56F1AB}" type="datetimeFigureOut">
               <a:rPr lang="zh-CN" altLang="en-US" smtClean="0"/>
-              <a:t>2024/5/28</a:t>
+              <a:t>2025/5/20</a:t>
             </a:fld>
             <a:endParaRPr lang="zh-CN" altLang="en-US"/>
           </a:p>
@@ -900,7 +900,7 @@
           <a:p>
             <a:fld id="{FC19A4FA-3D9A-4114-B0D5-759CBD56F1AB}" type="datetimeFigureOut">
               <a:rPr lang="zh-CN" altLang="en-US" smtClean="0"/>
-              <a:t>2024/5/28</a:t>
+              <a:t>2025/5/20</a:t>
             </a:fld>
             <a:endParaRPr lang="zh-CN" altLang="en-US"/>
           </a:p>
@@ -1078,7 +1078,7 @@
           <a:p>
             <a:fld id="{FC19A4FA-3D9A-4114-B0D5-759CBD56F1AB}" type="datetimeFigureOut">
               <a:rPr lang="zh-CN" altLang="en-US" smtClean="0"/>
-              <a:t>2024/5/28</a:t>
+              <a:t>2025/5/20</a:t>
             </a:fld>
             <a:endParaRPr lang="zh-CN" altLang="en-US"/>
           </a:p>
@@ -1302,7 +1302,7 @@
           <a:p>
             <a:fld id="{FC19A4FA-3D9A-4114-B0D5-759CBD56F1AB}" type="datetimeFigureOut">
               <a:rPr lang="zh-CN" altLang="en-US" smtClean="0"/>
-              <a:t>2024/5/28</a:t>
+              <a:t>2025/5/20</a:t>
             </a:fld>
             <a:endParaRPr lang="zh-CN" altLang="en-US"/>
           </a:p>
@@ -1536,7 +1536,7 @@
           <a:p>
             <a:fld id="{FC19A4FA-3D9A-4114-B0D5-759CBD56F1AB}" type="datetimeFigureOut">
               <a:rPr lang="zh-CN" altLang="en-US" smtClean="0"/>
-              <a:t>2024/5/28</a:t>
+              <a:t>2025/5/20</a:t>
             </a:fld>
             <a:endParaRPr lang="zh-CN" altLang="en-US"/>
           </a:p>
@@ -1935,7 +1935,7 @@
           <a:p>
             <a:fld id="{FC19A4FA-3D9A-4114-B0D5-759CBD56F1AB}" type="datetimeFigureOut">
               <a:rPr lang="zh-CN" altLang="en-US" smtClean="0"/>
-              <a:t>2024/5/28</a:t>
+              <a:t>2025/5/20</a:t>
             </a:fld>
             <a:endParaRPr lang="zh-CN" altLang="en-US"/>
           </a:p>
@@ -2215,7 +2215,7 @@
           <a:p>
             <a:fld id="{FC19A4FA-3D9A-4114-B0D5-759CBD56F1AB}" type="datetimeFigureOut">
               <a:rPr lang="zh-CN" altLang="en-US" smtClean="0"/>
-              <a:t>2024/5/28</a:t>
+              <a:t>2025/5/20</a:t>
             </a:fld>
             <a:endParaRPr lang="zh-CN" altLang="en-US"/>
           </a:p>
@@ -2367,7 +2367,7 @@
           <a:p>
             <a:fld id="{FC19A4FA-3D9A-4114-B0D5-759CBD56F1AB}" type="datetimeFigureOut">
               <a:rPr lang="zh-CN" altLang="en-US" smtClean="0"/>
-              <a:t>2024/5/28</a:t>
+              <a:t>2025/5/20</a:t>
             </a:fld>
             <a:endParaRPr lang="zh-CN" altLang="en-US"/>
           </a:p>
@@ -2497,7 +2497,7 @@
           <a:p>
             <a:fld id="{FC19A4FA-3D9A-4114-B0D5-759CBD56F1AB}" type="datetimeFigureOut">
               <a:rPr lang="zh-CN" altLang="en-US" smtClean="0"/>
-              <a:t>2024/5/28</a:t>
+              <a:t>2025/5/20</a:t>
             </a:fld>
             <a:endParaRPr lang="zh-CN" altLang="en-US"/>
           </a:p>
@@ -2807,7 +2807,7 @@
           <a:p>
             <a:fld id="{FC19A4FA-3D9A-4114-B0D5-759CBD56F1AB}" type="datetimeFigureOut">
               <a:rPr lang="zh-CN" altLang="en-US" smtClean="0"/>
-              <a:t>2024/5/28</a:t>
+              <a:t>2025/5/20</a:t>
             </a:fld>
             <a:endParaRPr lang="zh-CN" altLang="en-US"/>
           </a:p>
@@ -3094,7 +3094,7 @@
           <a:p>
             <a:fld id="{FC19A4FA-3D9A-4114-B0D5-759CBD56F1AB}" type="datetimeFigureOut">
               <a:rPr lang="zh-CN" altLang="en-US" smtClean="0"/>
-              <a:t>2024/5/28</a:t>
+              <a:t>2025/5/20</a:t>
             </a:fld>
             <a:endParaRPr lang="zh-CN" altLang="en-US"/>
           </a:p>
@@ -3387,7 +3387,7 @@
           <a:p>
             <a:fld id="{FC19A4FA-3D9A-4114-B0D5-759CBD56F1AB}" type="datetimeFigureOut">
               <a:rPr lang="zh-CN" altLang="en-US" smtClean="0"/>
-              <a:t>2024/5/28</a:t>
+              <a:t>2025/5/20</a:t>
             </a:fld>
             <a:endParaRPr lang="zh-CN" altLang="en-US"/>
           </a:p>
@@ -3817,20 +3817,23 @@
             <a:r>
               <a:rPr lang="en-US" altLang="zh-CN" b="1" dirty="0">
                 <a:latin typeface="Franklin Gothic Demi" panose="020B0703020102020204" pitchFamily="34" charset="0"/>
-              </a:rPr>
-              <a:t>C/C++</a:t>
+                <a:sym typeface="+mn-ea"/>
+              </a:rPr>
+              <a:t>Advanced</a:t>
             </a:r>
             <a:r>
               <a:rPr lang="zh-CN" altLang="en-US" b="1" dirty="0">
                 <a:latin typeface="Franklin Gothic Demi" panose="020B0703020102020204" pitchFamily="34" charset="0"/>
+                <a:sym typeface="+mn-ea"/>
               </a:rPr>
               <a:t> </a:t>
             </a:r>
             <a:r>
               <a:rPr lang="en-US" altLang="zh-CN" b="1" dirty="0">
                 <a:latin typeface="Franklin Gothic Demi" panose="020B0703020102020204" pitchFamily="34" charset="0"/>
-              </a:rPr>
-              <a:t>Program Design</a:t>
+                <a:sym typeface="+mn-ea"/>
+              </a:rPr>
+              <a:t>Programming</a:t>
             </a:r>
             <a:endParaRPr lang="zh-CN" altLang="en-US" b="1" dirty="0">
               <a:latin typeface="Franklin Gothic Demi" panose="020B0703020102020204" pitchFamily="34" charset="0"/>
